--- a/presentation_izzy_baby.pptx
+++ b/presentation_izzy_baby.pptx
@@ -5,7 +5,7 @@
     <p:sldMasterId id="2147483659" r:id="rId1"/>
   </p:sldMasterIdLst>
   <p:notesMasterIdLst>
-    <p:notesMasterId r:id="rId19"/>
+    <p:notesMasterId r:id="rId18"/>
   </p:notesMasterIdLst>
   <p:sldIdLst>
     <p:sldId id="256" r:id="rId2"/>
@@ -22,38 +22,37 @@
     <p:sldId id="267" r:id="rId13"/>
     <p:sldId id="268" r:id="rId14"/>
     <p:sldId id="269" r:id="rId15"/>
-    <p:sldId id="270" r:id="rId16"/>
-    <p:sldId id="271" r:id="rId17"/>
-    <p:sldId id="272" r:id="rId18"/>
+    <p:sldId id="271" r:id="rId16"/>
+    <p:sldId id="272" r:id="rId17"/>
   </p:sldIdLst>
   <p:sldSz cx="9144000" cy="5143500" type="screen16x9"/>
   <p:notesSz cx="6858000" cy="9144000"/>
   <p:embeddedFontLst>
     <p:embeddedFont>
       <p:font typeface="Montserrat" panose="020B0604020202020204" charset="0"/>
-      <p:regular r:id="rId20"/>
-      <p:bold r:id="rId21"/>
-      <p:italic r:id="rId22"/>
-      <p:boldItalic r:id="rId23"/>
+      <p:regular r:id="rId19"/>
+      <p:bold r:id="rId20"/>
+      <p:italic r:id="rId21"/>
+      <p:boldItalic r:id="rId22"/>
     </p:embeddedFont>
     <p:embeddedFont>
       <p:font typeface="Oswald" panose="020B0604020202020204" charset="0"/>
-      <p:regular r:id="rId24"/>
-      <p:bold r:id="rId25"/>
+      <p:regular r:id="rId23"/>
+      <p:bold r:id="rId24"/>
     </p:embeddedFont>
     <p:embeddedFont>
       <p:font typeface="Playfair Display" panose="020B0604020202020204" charset="0"/>
-      <p:regular r:id="rId26"/>
-      <p:bold r:id="rId27"/>
-      <p:italic r:id="rId28"/>
-      <p:boldItalic r:id="rId29"/>
+      <p:regular r:id="rId25"/>
+      <p:bold r:id="rId26"/>
+      <p:italic r:id="rId27"/>
+      <p:boldItalic r:id="rId28"/>
     </p:embeddedFont>
     <p:embeddedFont>
       <p:font typeface="Quire Sans" panose="020B0502040400020003" pitchFamily="34" charset="0"/>
-      <p:regular r:id="rId30"/>
-      <p:bold r:id="rId31"/>
-      <p:italic r:id="rId32"/>
-      <p:boldItalic r:id="rId33"/>
+      <p:regular r:id="rId29"/>
+      <p:bold r:id="rId30"/>
+      <p:italic r:id="rId31"/>
+      <p:boldItalic r:id="rId32"/>
     </p:embeddedFont>
   </p:embeddedFontLst>
   <p:defaultTextStyle>
@@ -878,7 +877,7 @@
         </p:nvSpPr>
         <p:spPr>
           <a:xfrm>
-            <a:off x="381300" y="685800"/>
+            <a:off x="381000" y="685800"/>
             <a:ext cx="6096000" cy="3429000"/>
           </a:xfrm>
           <a:custGeom>
@@ -982,7 +981,7 @@
         </p:nvSpPr>
         <p:spPr>
           <a:xfrm>
-            <a:off x="381300" y="685800"/>
+            <a:off x="381000" y="685800"/>
             <a:ext cx="6096000" cy="3429000"/>
           </a:xfrm>
           <a:custGeom>
@@ -1086,7 +1085,7 @@
         </p:nvSpPr>
         <p:spPr>
           <a:xfrm>
-            <a:off x="381300" y="685800"/>
+            <a:off x="381000" y="685800"/>
             <a:ext cx="6096000" cy="3429000"/>
           </a:xfrm>
           <a:custGeom>
@@ -1190,7 +1189,7 @@
         </p:nvSpPr>
         <p:spPr>
           <a:xfrm>
-            <a:off x="381300" y="685800"/>
+            <a:off x="381000" y="685800"/>
             <a:ext cx="6096000" cy="3429000"/>
           </a:xfrm>
           <a:custGeom>
@@ -1294,7 +1293,7 @@
         </p:nvSpPr>
         <p:spPr>
           <a:xfrm>
-            <a:off x="381300" y="685800"/>
+            <a:off x="381000" y="685800"/>
             <a:ext cx="6096000" cy="3429000"/>
           </a:xfrm>
           <a:custGeom>
@@ -1370,110 +1369,6 @@
 </file>
 
 <file path=ppt/notesSlides/notesSlide15.xml><?xml version="1.0" encoding="utf-8"?>
-<p:notes xmlns:a="http://schemas.openxmlformats.org/drawingml/2006/main" xmlns:r="http://schemas.openxmlformats.org/officeDocument/2006/relationships" xmlns:p="http://schemas.openxmlformats.org/presentationml/2006/main" showMasterSp="0" showMasterPhAnim="0">
-  <p:cSld>
-    <p:spTree>
-      <p:nvGrpSpPr>
-        <p:cNvPr id="1" name="Shape 138"/>
-        <p:cNvGrpSpPr/>
-        <p:nvPr/>
-      </p:nvGrpSpPr>
-      <p:grpSpPr>
-        <a:xfrm>
-          <a:off x="0" y="0"/>
-          <a:ext cx="0" cy="0"/>
-          <a:chOff x="0" y="0"/>
-          <a:chExt cx="0" cy="0"/>
-        </a:xfrm>
-      </p:grpSpPr>
-      <p:sp>
-        <p:nvSpPr>
-          <p:cNvPr id="139" name="Google Shape;139;g8ca16b764f_0_148:notes"/>
-          <p:cNvSpPr>
-            <a:spLocks noGrp="1" noRot="1" noChangeAspect="1"/>
-          </p:cNvSpPr>
-          <p:nvPr>
-            <p:ph type="sldImg" idx="2"/>
-          </p:nvPr>
-        </p:nvSpPr>
-        <p:spPr>
-          <a:xfrm>
-            <a:off x="381300" y="685800"/>
-            <a:ext cx="6096000" cy="3429000"/>
-          </a:xfrm>
-          <a:custGeom>
-            <a:avLst/>
-            <a:gdLst/>
-            <a:ahLst/>
-            <a:cxnLst/>
-            <a:rect l="l" t="t" r="r" b="b"/>
-            <a:pathLst>
-              <a:path w="120000" h="120000" extrusionOk="0">
-                <a:moveTo>
-                  <a:pt x="0" y="0"/>
-                </a:moveTo>
-                <a:lnTo>
-                  <a:pt x="120000" y="0"/>
-                </a:lnTo>
-                <a:lnTo>
-                  <a:pt x="120000" y="120000"/>
-                </a:lnTo>
-                <a:lnTo>
-                  <a:pt x="0" y="120000"/>
-                </a:lnTo>
-                <a:close/>
-              </a:path>
-            </a:pathLst>
-          </a:custGeom>
-        </p:spPr>
-      </p:sp>
-      <p:sp>
-        <p:nvSpPr>
-          <p:cNvPr id="140" name="Google Shape;140;g8ca16b764f_0_148:notes"/>
-          <p:cNvSpPr txBox="1">
-            <a:spLocks noGrp="1"/>
-          </p:cNvSpPr>
-          <p:nvPr>
-            <p:ph type="body" idx="1"/>
-          </p:nvPr>
-        </p:nvSpPr>
-        <p:spPr>
-          <a:xfrm>
-            <a:off x="685800" y="4343400"/>
-            <a:ext cx="5486400" cy="4114800"/>
-          </a:xfrm>
-          <a:prstGeom prst="rect">
-            <a:avLst/>
-          </a:prstGeom>
-        </p:spPr>
-        <p:txBody>
-          <a:bodyPr spcFirstLastPara="1" wrap="square" lIns="91425" tIns="91425" rIns="91425" bIns="91425" anchor="t" anchorCtr="0">
-            <a:noAutofit/>
-          </a:bodyPr>
-          <a:lstStyle/>
-          <a:p>
-            <a:pPr marL="0" lvl="0" indent="0" algn="l" rtl="0">
-              <a:spcBef>
-                <a:spcPts val="0"/>
-              </a:spcBef>
-              <a:spcAft>
-                <a:spcPts val="0"/>
-              </a:spcAft>
-              <a:buNone/>
-            </a:pPr>
-            <a:endParaRPr/>
-          </a:p>
-        </p:txBody>
-      </p:sp>
-    </p:spTree>
-  </p:cSld>
-  <p:clrMapOvr>
-    <a:masterClrMapping/>
-  </p:clrMapOvr>
-</p:notes>
-</file>
-
-<file path=ppt/notesSlides/notesSlide16.xml><?xml version="1.0" encoding="utf-8"?>
 <p:notes xmlns:a="http://schemas.openxmlformats.org/drawingml/2006/main" xmlns:r="http://schemas.openxmlformats.org/officeDocument/2006/relationships" xmlns:p="http://schemas.openxmlformats.org/presentationml/2006/main" showMasterSp="0" showMasterPhAnim="0">
   <p:cSld>
     <p:spTree>
@@ -1502,7 +1397,7 @@
         </p:nvSpPr>
         <p:spPr>
           <a:xfrm>
-            <a:off x="381300" y="685800"/>
+            <a:off x="381000" y="685800"/>
             <a:ext cx="6096000" cy="3429000"/>
           </a:xfrm>
           <a:custGeom>
@@ -1577,7 +1472,7 @@
 </p:notes>
 </file>
 
-<file path=ppt/notesSlides/notesSlide17.xml><?xml version="1.0" encoding="utf-8"?>
+<file path=ppt/notesSlides/notesSlide16.xml><?xml version="1.0" encoding="utf-8"?>
 <p:notes xmlns:a="http://schemas.openxmlformats.org/drawingml/2006/main" xmlns:r="http://schemas.openxmlformats.org/officeDocument/2006/relationships" xmlns:p="http://schemas.openxmlformats.org/presentationml/2006/main" showMasterSp="0" showMasterPhAnim="0">
   <p:cSld>
     <p:spTree>
@@ -2438,7 +2333,7 @@
         </p:nvSpPr>
         <p:spPr>
           <a:xfrm>
-            <a:off x="381300" y="685800"/>
+            <a:off x="381000" y="685800"/>
             <a:ext cx="6096000" cy="3429000"/>
           </a:xfrm>
           <a:custGeom>
@@ -8342,10 +8237,10 @@
               <a:buNone/>
             </a:pPr>
             <a:r>
-              <a:rPr lang="fr"/>
-              <a:t>60 sec</a:t>
+              <a:rPr lang="fr" dirty="0"/>
+              <a:t>Room, Appdatabase, fixtures (rapide), converters</a:t>
             </a:r>
-            <a:endParaRPr/>
+            <a:endParaRPr dirty="0"/>
           </a:p>
         </p:txBody>
       </p:sp>
@@ -8451,10 +8346,14 @@
               <a:buNone/>
             </a:pPr>
             <a:r>
-              <a:rPr lang="fr"/>
-              <a:t>60 sec</a:t>
+              <a:rPr lang="fr-FR" dirty="0"/>
+              <a:t>L</a:t>
             </a:r>
-            <a:endParaRPr/>
+            <a:r>
+              <a:rPr lang="fr" dirty="0"/>
+              <a:t>ivedata+observer +asynctask</a:t>
+            </a:r>
+            <a:endParaRPr dirty="0"/>
           </a:p>
         </p:txBody>
       </p:sp>
@@ -8527,43 +8426,274 @@
       </p:sp>
       <p:sp>
         <p:nvSpPr>
-          <p:cNvPr id="125" name="Google Shape;125;p24"/>
-          <p:cNvSpPr txBox="1">
-            <a:spLocks noGrp="1"/>
-          </p:cNvSpPr>
-          <p:nvPr>
-            <p:ph type="body" idx="1"/>
-          </p:nvPr>
+          <p:cNvPr id="2" name="Rectangle : coins arrondis 1">
+            <a:extLst>
+              <a:ext uri="{FF2B5EF4-FFF2-40B4-BE49-F238E27FC236}">
+                <a16:creationId xmlns:a16="http://schemas.microsoft.com/office/drawing/2014/main" id="{66F1A993-08C1-4B31-B5E9-E3BF23CBB37C}"/>
+              </a:ext>
+            </a:extLst>
+          </p:cNvPr>
+          <p:cNvSpPr/>
+          <p:nvPr/>
         </p:nvSpPr>
         <p:spPr>
           <a:xfrm>
-            <a:off x="311700" y="1234075"/>
-            <a:ext cx="8520600" cy="3334800"/>
+            <a:off x="2250831" y="1625600"/>
+            <a:ext cx="1352061" cy="1570892"/>
+          </a:xfrm>
+          <a:prstGeom prst="roundRect">
+            <a:avLst/>
+          </a:prstGeom>
+        </p:spPr>
+        <p:style>
+          <a:lnRef idx="2">
+            <a:schemeClr val="accent1">
+              <a:shade val="50000"/>
+            </a:schemeClr>
+          </a:lnRef>
+          <a:fillRef idx="1">
+            <a:schemeClr val="accent1"/>
+          </a:fillRef>
+          <a:effectRef idx="0">
+            <a:schemeClr val="accent1"/>
+          </a:effectRef>
+          <a:fontRef idx="minor">
+            <a:schemeClr val="lt1"/>
+          </a:fontRef>
+        </p:style>
+        <p:txBody>
+          <a:bodyPr rtlCol="0" anchor="ctr"/>
+          <a:lstStyle/>
+          <a:p>
+            <a:pPr algn="ctr"/>
+            <a:r>
+              <a:rPr lang="fr-FR" dirty="0"/>
+              <a:t>List </a:t>
+            </a:r>
+            <a:r>
+              <a:rPr lang="fr-FR" dirty="0" err="1"/>
+              <a:t>activity</a:t>
+            </a:r>
+            <a:endParaRPr lang="fr-FR" dirty="0"/>
+          </a:p>
+        </p:txBody>
+      </p:sp>
+      <p:sp>
+        <p:nvSpPr>
+          <p:cNvPr id="3" name="Rectangle : coins arrondis 2">
+            <a:extLst>
+              <a:ext uri="{FF2B5EF4-FFF2-40B4-BE49-F238E27FC236}">
+                <a16:creationId xmlns:a16="http://schemas.microsoft.com/office/drawing/2014/main" id="{87499548-D762-4A91-8CEA-2E2BD738E147}"/>
+              </a:ext>
+            </a:extLst>
+          </p:cNvPr>
+          <p:cNvSpPr/>
+          <p:nvPr/>
+        </p:nvSpPr>
+        <p:spPr>
+          <a:xfrm>
+            <a:off x="5937209" y="1625600"/>
+            <a:ext cx="1352061" cy="1570892"/>
+          </a:xfrm>
+          <a:prstGeom prst="roundRect">
+            <a:avLst/>
+          </a:prstGeom>
+        </p:spPr>
+        <p:style>
+          <a:lnRef idx="2">
+            <a:schemeClr val="accent1">
+              <a:shade val="50000"/>
+            </a:schemeClr>
+          </a:lnRef>
+          <a:fillRef idx="1">
+            <a:schemeClr val="accent1"/>
+          </a:fillRef>
+          <a:effectRef idx="0">
+            <a:schemeClr val="accent1"/>
+          </a:effectRef>
+          <a:fontRef idx="minor">
+            <a:schemeClr val="lt1"/>
+          </a:fontRef>
+        </p:style>
+        <p:txBody>
+          <a:bodyPr rtlCol="0" anchor="ctr"/>
+          <a:lstStyle/>
+          <a:p>
+            <a:pPr algn="ctr"/>
+            <a:r>
+              <a:rPr lang="fr-FR" dirty="0"/>
+              <a:t>Ajout/</a:t>
+            </a:r>
+            <a:r>
+              <a:rPr lang="fr-FR" dirty="0" err="1"/>
+              <a:t>modif</a:t>
+            </a:r>
+            <a:r>
+              <a:rPr lang="fr-FR" dirty="0"/>
+              <a:t>  </a:t>
+            </a:r>
+            <a:r>
+              <a:rPr lang="fr-FR" dirty="0" err="1"/>
+              <a:t>activity</a:t>
+            </a:r>
+            <a:endParaRPr lang="fr-FR" dirty="0"/>
+          </a:p>
+        </p:txBody>
+      </p:sp>
+      <p:cxnSp>
+        <p:nvCxnSpPr>
+          <p:cNvPr id="6" name="Connecteur droit avec flèche 5">
+            <a:extLst>
+              <a:ext uri="{FF2B5EF4-FFF2-40B4-BE49-F238E27FC236}">
+                <a16:creationId xmlns:a16="http://schemas.microsoft.com/office/drawing/2014/main" id="{694CB95B-79D4-473E-80DD-E2FC6832B1AC}"/>
+              </a:ext>
+            </a:extLst>
+          </p:cNvPr>
+          <p:cNvCxnSpPr>
+            <a:cxnSpLocks/>
+          </p:cNvCxnSpPr>
+          <p:nvPr/>
+        </p:nvCxnSpPr>
+        <p:spPr>
+          <a:xfrm>
+            <a:off x="3727938" y="2211754"/>
+            <a:ext cx="2084225" cy="0"/>
+          </a:xfrm>
+          <a:prstGeom prst="straightConnector1">
+            <a:avLst/>
+          </a:prstGeom>
+          <a:ln>
+            <a:tailEnd type="triangle"/>
+          </a:ln>
+        </p:spPr>
+        <p:style>
+          <a:lnRef idx="1">
+            <a:schemeClr val="accent1"/>
+          </a:lnRef>
+          <a:fillRef idx="0">
+            <a:schemeClr val="accent1"/>
+          </a:fillRef>
+          <a:effectRef idx="0">
+            <a:schemeClr val="accent1"/>
+          </a:effectRef>
+          <a:fontRef idx="minor">
+            <a:schemeClr val="tx1"/>
+          </a:fontRef>
+        </p:style>
+      </p:cxnSp>
+      <p:cxnSp>
+        <p:nvCxnSpPr>
+          <p:cNvPr id="9" name="Connecteur droit avec flèche 8">
+            <a:extLst>
+              <a:ext uri="{FF2B5EF4-FFF2-40B4-BE49-F238E27FC236}">
+                <a16:creationId xmlns:a16="http://schemas.microsoft.com/office/drawing/2014/main" id="{FBB9EBE5-B850-4AF0-AA27-B9547C4AD9B4}"/>
+              </a:ext>
+            </a:extLst>
+          </p:cNvPr>
+          <p:cNvCxnSpPr>
+            <a:cxnSpLocks/>
+          </p:cNvCxnSpPr>
+          <p:nvPr/>
+        </p:nvCxnSpPr>
+        <p:spPr>
+          <a:xfrm flipH="1">
+            <a:off x="3727938" y="2411046"/>
+            <a:ext cx="2084225" cy="0"/>
+          </a:xfrm>
+          <a:prstGeom prst="straightConnector1">
+            <a:avLst/>
+          </a:prstGeom>
+          <a:ln>
+            <a:tailEnd type="triangle"/>
+          </a:ln>
+        </p:spPr>
+        <p:style>
+          <a:lnRef idx="1">
+            <a:schemeClr val="accent1"/>
+          </a:lnRef>
+          <a:fillRef idx="0">
+            <a:schemeClr val="accent1"/>
+          </a:fillRef>
+          <a:effectRef idx="0">
+            <a:schemeClr val="accent1"/>
+          </a:effectRef>
+          <a:fontRef idx="minor">
+            <a:schemeClr val="tx1"/>
+          </a:fontRef>
+        </p:style>
+      </p:cxnSp>
+      <p:sp>
+        <p:nvSpPr>
+          <p:cNvPr id="7" name="ZoneTexte 6">
+            <a:extLst>
+              <a:ext uri="{FF2B5EF4-FFF2-40B4-BE49-F238E27FC236}">
+                <a16:creationId xmlns:a16="http://schemas.microsoft.com/office/drawing/2014/main" id="{2473A116-FC43-4B1F-96F1-8B13E7C83505}"/>
+              </a:ext>
+            </a:extLst>
+          </p:cNvPr>
+          <p:cNvSpPr txBox="1"/>
+          <p:nvPr/>
+        </p:nvSpPr>
+        <p:spPr>
+          <a:xfrm>
+            <a:off x="3727938" y="1867877"/>
+            <a:ext cx="2084225" cy="307777"/>
           </a:xfrm>
           <a:prstGeom prst="rect">
             <a:avLst/>
           </a:prstGeom>
+          <a:noFill/>
         </p:spPr>
         <p:txBody>
-          <a:bodyPr spcFirstLastPara="1" wrap="square" lIns="91425" tIns="91425" rIns="91425" bIns="91425" anchor="t" anchorCtr="0">
-            <a:noAutofit/>
+          <a:bodyPr wrap="none" rtlCol="0">
+            <a:spAutoFit/>
           </a:bodyPr>
           <a:lstStyle/>
           <a:p>
-            <a:pPr marL="0" lvl="0" indent="0" algn="l" rtl="0">
-              <a:spcBef>
-                <a:spcPts val="0"/>
-              </a:spcBef>
-              <a:spcAft>
-                <a:spcPts val="1600"/>
-              </a:spcAft>
-              <a:buNone/>
-            </a:pPr>
             <a:r>
-              <a:rPr lang="fr"/>
-              <a:t>60 sec</a:t>
+              <a:rPr lang="fr-FR" dirty="0"/>
+              <a:t>Envoi de la date (Intent)</a:t>
             </a:r>
-            <a:endParaRPr/>
+          </a:p>
+        </p:txBody>
+      </p:sp>
+      <p:sp>
+        <p:nvSpPr>
+          <p:cNvPr id="12" name="ZoneTexte 11">
+            <a:extLst>
+              <a:ext uri="{FF2B5EF4-FFF2-40B4-BE49-F238E27FC236}">
+                <a16:creationId xmlns:a16="http://schemas.microsoft.com/office/drawing/2014/main" id="{AF11CB2E-AACC-4769-88D0-575651A7AB3F}"/>
+              </a:ext>
+            </a:extLst>
+          </p:cNvPr>
+          <p:cNvSpPr txBox="1"/>
+          <p:nvPr/>
+        </p:nvSpPr>
+        <p:spPr>
+          <a:xfrm>
+            <a:off x="2250831" y="3892755"/>
+            <a:ext cx="1747594" cy="307777"/>
+          </a:xfrm>
+          <a:prstGeom prst="rect">
+            <a:avLst/>
+          </a:prstGeom>
+          <a:noFill/>
+        </p:spPr>
+        <p:txBody>
+          <a:bodyPr wrap="none" rtlCol="0">
+            <a:spAutoFit/>
+          </a:bodyPr>
+          <a:lstStyle/>
+          <a:p>
+            <a:r>
+              <a:rPr lang="fr-FR" dirty="0"/>
+              <a:t>Explication du </a:t>
+            </a:r>
+            <a:r>
+              <a:rPr lang="fr-FR" dirty="0" err="1"/>
+              <a:t>timer</a:t>
+            </a:r>
+            <a:endParaRPr lang="fr-FR" dirty="0"/>
           </a:p>
         </p:txBody>
       </p:sp>
@@ -8669,13 +8799,157 @@
               <a:buNone/>
             </a:pPr>
             <a:r>
-              <a:rPr lang="fr"/>
-              <a:t>60 sec</a:t>
+              <a:rPr lang="fr-FR" dirty="0"/>
+              <a:t>L</a:t>
             </a:r>
-            <a:endParaRPr/>
+            <a:r>
+              <a:rPr lang="fr" dirty="0"/>
+              <a:t>ayout , un peu de code</a:t>
+            </a:r>
+            <a:endParaRPr dirty="0"/>
           </a:p>
         </p:txBody>
       </p:sp>
+      <p:sp>
+        <p:nvSpPr>
+          <p:cNvPr id="4" name="Rectangle : coins arrondis 3">
+            <a:extLst>
+              <a:ext uri="{FF2B5EF4-FFF2-40B4-BE49-F238E27FC236}">
+                <a16:creationId xmlns:a16="http://schemas.microsoft.com/office/drawing/2014/main" id="{5398CE63-3F1D-4E35-BD4C-58A07D95396D}"/>
+              </a:ext>
+            </a:extLst>
+          </p:cNvPr>
+          <p:cNvSpPr/>
+          <p:nvPr/>
+        </p:nvSpPr>
+        <p:spPr>
+          <a:xfrm>
+            <a:off x="2250831" y="1625600"/>
+            <a:ext cx="1352061" cy="1570892"/>
+          </a:xfrm>
+          <a:prstGeom prst="roundRect">
+            <a:avLst/>
+          </a:prstGeom>
+        </p:spPr>
+        <p:style>
+          <a:lnRef idx="2">
+            <a:schemeClr val="accent1">
+              <a:shade val="50000"/>
+            </a:schemeClr>
+          </a:lnRef>
+          <a:fillRef idx="1">
+            <a:schemeClr val="accent1"/>
+          </a:fillRef>
+          <a:effectRef idx="0">
+            <a:schemeClr val="accent1"/>
+          </a:effectRef>
+          <a:fontRef idx="minor">
+            <a:schemeClr val="lt1"/>
+          </a:fontRef>
+        </p:style>
+        <p:txBody>
+          <a:bodyPr rtlCol="0" anchor="ctr"/>
+          <a:lstStyle/>
+          <a:p>
+            <a:pPr algn="ctr"/>
+            <a:r>
+              <a:rPr lang="fr-FR" dirty="0" err="1"/>
+              <a:t>activity</a:t>
+            </a:r>
+            <a:endParaRPr lang="fr-FR" dirty="0"/>
+          </a:p>
+        </p:txBody>
+      </p:sp>
+      <p:sp>
+        <p:nvSpPr>
+          <p:cNvPr id="5" name="Rectangle : coins arrondis 4">
+            <a:extLst>
+              <a:ext uri="{FF2B5EF4-FFF2-40B4-BE49-F238E27FC236}">
+                <a16:creationId xmlns:a16="http://schemas.microsoft.com/office/drawing/2014/main" id="{78252BF9-6192-4217-ADF2-5D15F5FEC50B}"/>
+              </a:ext>
+            </a:extLst>
+          </p:cNvPr>
+          <p:cNvSpPr/>
+          <p:nvPr/>
+        </p:nvSpPr>
+        <p:spPr>
+          <a:xfrm>
+            <a:off x="5937209" y="1625600"/>
+            <a:ext cx="1352061" cy="1570892"/>
+          </a:xfrm>
+          <a:prstGeom prst="roundRect">
+            <a:avLst/>
+          </a:prstGeom>
+        </p:spPr>
+        <p:style>
+          <a:lnRef idx="2">
+            <a:schemeClr val="accent1">
+              <a:shade val="50000"/>
+            </a:schemeClr>
+          </a:lnRef>
+          <a:fillRef idx="1">
+            <a:schemeClr val="accent1"/>
+          </a:fillRef>
+          <a:effectRef idx="0">
+            <a:schemeClr val="accent1"/>
+          </a:effectRef>
+          <a:fontRef idx="minor">
+            <a:schemeClr val="lt1"/>
+          </a:fontRef>
+        </p:style>
+        <p:txBody>
+          <a:bodyPr rtlCol="0" anchor="ctr"/>
+          <a:lstStyle/>
+          <a:p>
+            <a:pPr algn="ctr"/>
+            <a:r>
+              <a:rPr lang="fr-FR" dirty="0" err="1"/>
+              <a:t>layout</a:t>
+            </a:r>
+            <a:endParaRPr lang="fr-FR" dirty="0"/>
+          </a:p>
+        </p:txBody>
+      </p:sp>
+      <p:cxnSp>
+        <p:nvCxnSpPr>
+          <p:cNvPr id="3" name="Connecteur droit avec flèche 2">
+            <a:extLst>
+              <a:ext uri="{FF2B5EF4-FFF2-40B4-BE49-F238E27FC236}">
+                <a16:creationId xmlns:a16="http://schemas.microsoft.com/office/drawing/2014/main" id="{D9933111-90AE-4DDD-A604-835F33504456}"/>
+              </a:ext>
+            </a:extLst>
+          </p:cNvPr>
+          <p:cNvCxnSpPr/>
+          <p:nvPr/>
+        </p:nvCxnSpPr>
+        <p:spPr>
+          <a:xfrm>
+            <a:off x="3829538" y="2430585"/>
+            <a:ext cx="1899139" cy="0"/>
+          </a:xfrm>
+          <a:prstGeom prst="straightConnector1">
+            <a:avLst/>
+          </a:prstGeom>
+          <a:ln>
+            <a:headEnd type="triangle"/>
+            <a:tailEnd type="triangle"/>
+          </a:ln>
+        </p:spPr>
+        <p:style>
+          <a:lnRef idx="1">
+            <a:schemeClr val="accent1"/>
+          </a:lnRef>
+          <a:fillRef idx="0">
+            <a:schemeClr val="accent1"/>
+          </a:fillRef>
+          <a:effectRef idx="0">
+            <a:schemeClr val="accent1"/>
+          </a:effectRef>
+          <a:fontRef idx="minor">
+            <a:schemeClr val="tx1"/>
+          </a:fontRef>
+        </p:style>
+      </p:cxnSp>
     </p:spTree>
   </p:cSld>
   <p:clrMapOvr>
@@ -8736,10 +9010,10 @@
               <a:buNone/>
             </a:pPr>
             <a:r>
-              <a:rPr lang="fr"/>
+              <a:rPr lang="fr" dirty="0"/>
               <a:t>Rendu final</a:t>
             </a:r>
-            <a:endParaRPr/>
+            <a:endParaRPr dirty="0"/>
           </a:p>
         </p:txBody>
       </p:sp>
@@ -8778,10 +9052,10 @@
               <a:buNone/>
             </a:pPr>
             <a:r>
-              <a:rPr lang="fr"/>
-              <a:t>60 sec</a:t>
+              <a:rPr lang="fr-FR" dirty="0"/>
+              <a:t>Démonstration de l’application</a:t>
             </a:r>
-            <a:endParaRPr/>
+            <a:endParaRPr dirty="0"/>
           </a:p>
         </p:txBody>
       </p:sp>
@@ -8794,115 +9068,6 @@
 </file>
 
 <file path=ppt/slides/slide15.xml><?xml version="1.0" encoding="utf-8"?>
-<p:sld xmlns:a="http://schemas.openxmlformats.org/drawingml/2006/main" xmlns:r="http://schemas.openxmlformats.org/officeDocument/2006/relationships" xmlns:p="http://schemas.openxmlformats.org/presentationml/2006/main">
-  <p:cSld>
-    <p:spTree>
-      <p:nvGrpSpPr>
-        <p:cNvPr id="1" name="Shape 141"/>
-        <p:cNvGrpSpPr/>
-        <p:nvPr/>
-      </p:nvGrpSpPr>
-      <p:grpSpPr>
-        <a:xfrm>
-          <a:off x="0" y="0"/>
-          <a:ext cx="0" cy="0"/>
-          <a:chOff x="0" y="0"/>
-          <a:chExt cx="0" cy="0"/>
-        </a:xfrm>
-      </p:grpSpPr>
-      <p:sp>
-        <p:nvSpPr>
-          <p:cNvPr id="142" name="Google Shape;142;p27"/>
-          <p:cNvSpPr txBox="1">
-            <a:spLocks noGrp="1"/>
-          </p:cNvSpPr>
-          <p:nvPr>
-            <p:ph type="title"/>
-          </p:nvPr>
-        </p:nvSpPr>
-        <p:spPr>
-          <a:xfrm>
-            <a:off x="311700" y="445025"/>
-            <a:ext cx="8520600" cy="572700"/>
-          </a:xfrm>
-          <a:prstGeom prst="rect">
-            <a:avLst/>
-          </a:prstGeom>
-        </p:spPr>
-        <p:txBody>
-          <a:bodyPr spcFirstLastPara="1" wrap="square" lIns="91425" tIns="91425" rIns="91425" bIns="91425" anchor="t" anchorCtr="0">
-            <a:noAutofit/>
-          </a:bodyPr>
-          <a:lstStyle/>
-          <a:p>
-            <a:pPr marL="0" lvl="0" indent="0" algn="l" rtl="0">
-              <a:spcBef>
-                <a:spcPts val="0"/>
-              </a:spcBef>
-              <a:spcAft>
-                <a:spcPts val="0"/>
-              </a:spcAft>
-              <a:buNone/>
-            </a:pPr>
-            <a:r>
-              <a:rPr lang="fr"/>
-              <a:t>Sécurité</a:t>
-            </a:r>
-            <a:endParaRPr/>
-          </a:p>
-        </p:txBody>
-      </p:sp>
-      <p:sp>
-        <p:nvSpPr>
-          <p:cNvPr id="143" name="Google Shape;143;p27"/>
-          <p:cNvSpPr txBox="1">
-            <a:spLocks noGrp="1"/>
-          </p:cNvSpPr>
-          <p:nvPr>
-            <p:ph type="body" idx="1"/>
-          </p:nvPr>
-        </p:nvSpPr>
-        <p:spPr>
-          <a:xfrm>
-            <a:off x="311700" y="1234075"/>
-            <a:ext cx="8520600" cy="3334800"/>
-          </a:xfrm>
-          <a:prstGeom prst="rect">
-            <a:avLst/>
-          </a:prstGeom>
-        </p:spPr>
-        <p:txBody>
-          <a:bodyPr spcFirstLastPara="1" wrap="square" lIns="91425" tIns="91425" rIns="91425" bIns="91425" anchor="t" anchorCtr="0">
-            <a:noAutofit/>
-          </a:bodyPr>
-          <a:lstStyle/>
-          <a:p>
-            <a:pPr marL="0" lvl="0" indent="0" algn="l" rtl="0">
-              <a:spcBef>
-                <a:spcPts val="0"/>
-              </a:spcBef>
-              <a:spcAft>
-                <a:spcPts val="1600"/>
-              </a:spcAft>
-              <a:buNone/>
-            </a:pPr>
-            <a:r>
-              <a:rPr lang="fr"/>
-              <a:t>60 sec</a:t>
-            </a:r>
-            <a:endParaRPr/>
-          </a:p>
-        </p:txBody>
-      </p:sp>
-    </p:spTree>
-  </p:cSld>
-  <p:clrMapOvr>
-    <a:masterClrMapping/>
-  </p:clrMapOvr>
-</p:sld>
-</file>
-
-<file path=ppt/slides/slide16.xml><?xml version="1.0" encoding="utf-8"?>
 <p:sld xmlns:a="http://schemas.openxmlformats.org/drawingml/2006/main" xmlns:r="http://schemas.openxmlformats.org/officeDocument/2006/relationships" xmlns:p="http://schemas.openxmlformats.org/presentationml/2006/main">
   <p:cSld>
     <p:spTree>
@@ -8954,10 +9119,10 @@
               <a:buNone/>
             </a:pPr>
             <a:r>
-              <a:rPr lang="fr"/>
+              <a:rPr lang="fr" dirty="0"/>
               <a:t>Conclusion</a:t>
             </a:r>
-            <a:endParaRPr/>
+            <a:endParaRPr dirty="0"/>
           </a:p>
         </p:txBody>
       </p:sp>
@@ -8973,7 +9138,7 @@
         </p:nvSpPr>
         <p:spPr>
           <a:xfrm>
-            <a:off x="311700" y="1234075"/>
+            <a:off x="233546" y="1234075"/>
             <a:ext cx="8520600" cy="3334800"/>
           </a:xfrm>
           <a:prstGeom prst="rect">
@@ -8996,13 +9161,43 @@
               <a:buNone/>
             </a:pPr>
             <a:r>
-              <a:rPr lang="fr"/>
+              <a:rPr lang="fr" dirty="0"/>
               <a:t>60 sec</a:t>
             </a:r>
-            <a:endParaRPr/>
+            <a:endParaRPr dirty="0"/>
           </a:p>
         </p:txBody>
       </p:sp>
+      <p:pic>
+        <p:nvPicPr>
+          <p:cNvPr id="3" name="Image 2" descr="Une image contenant intérieur, bébé, personne, pose&#10;&#10;Description générée automatiquement">
+            <a:extLst>
+              <a:ext uri="{FF2B5EF4-FFF2-40B4-BE49-F238E27FC236}">
+                <a16:creationId xmlns:a16="http://schemas.microsoft.com/office/drawing/2014/main" id="{2144F406-4EBB-4E14-9F59-B0ED93B77C06}"/>
+              </a:ext>
+            </a:extLst>
+          </p:cNvPr>
+          <p:cNvPicPr>
+            <a:picLocks noChangeAspect="1"/>
+          </p:cNvPicPr>
+          <p:nvPr/>
+        </p:nvPicPr>
+        <p:blipFill>
+          <a:blip r:embed="rId3"/>
+          <a:stretch>
+            <a:fillRect/>
+          </a:stretch>
+        </p:blipFill>
+        <p:spPr>
+          <a:xfrm>
+            <a:off x="2516553" y="1684704"/>
+            <a:ext cx="3153941" cy="1774092"/>
+          </a:xfrm>
+          <a:prstGeom prst="rect">
+            <a:avLst/>
+          </a:prstGeom>
+        </p:spPr>
+      </p:pic>
     </p:spTree>
   </p:cSld>
   <p:clrMapOvr>
@@ -9011,7 +9206,7 @@
 </p:sld>
 </file>
 
-<file path=ppt/slides/slide17.xml><?xml version="1.0" encoding="utf-8"?>
+<file path=ppt/slides/slide16.xml><?xml version="1.0" encoding="utf-8"?>
 <p:sld xmlns:a="http://schemas.openxmlformats.org/drawingml/2006/main" xmlns:r="http://schemas.openxmlformats.org/officeDocument/2006/relationships" xmlns:p="http://schemas.openxmlformats.org/presentationml/2006/main">
   <p:cSld>
     <p:bg>
@@ -11409,13 +11604,47 @@
               <a:buNone/>
             </a:pPr>
             <a:r>
-              <a:rPr lang="fr"/>
-              <a:t>60 sec</a:t>
+              <a:rPr lang="fr-FR" dirty="0"/>
+              <a:t>R</a:t>
             </a:r>
-            <a:endParaRPr/>
+            <a:r>
+              <a:rPr lang="fr" dirty="0"/>
+              <a:t>efaire schéma avec des exemples de notre code</a:t>
+            </a:r>
+            <a:endParaRPr dirty="0"/>
           </a:p>
         </p:txBody>
       </p:sp>
+      <p:pic>
+        <p:nvPicPr>
+          <p:cNvPr id="3" name="Image 2">
+            <a:extLst>
+              <a:ext uri="{FF2B5EF4-FFF2-40B4-BE49-F238E27FC236}">
+                <a16:creationId xmlns:a16="http://schemas.microsoft.com/office/drawing/2014/main" id="{D0E345DD-C17F-4A2A-AECA-ED975F083342}"/>
+              </a:ext>
+            </a:extLst>
+          </p:cNvPr>
+          <p:cNvPicPr>
+            <a:picLocks noChangeAspect="1"/>
+          </p:cNvPicPr>
+          <p:nvPr/>
+        </p:nvPicPr>
+        <p:blipFill>
+          <a:blip r:embed="rId3"/>
+          <a:stretch>
+            <a:fillRect/>
+          </a:stretch>
+        </p:blipFill>
+        <p:spPr>
+          <a:xfrm>
+            <a:off x="3430302" y="1521571"/>
+            <a:ext cx="3679744" cy="2759808"/>
+          </a:xfrm>
+          <a:prstGeom prst="rect">
+            <a:avLst/>
+          </a:prstGeom>
+        </p:spPr>
+      </p:pic>
     </p:spTree>
   </p:cSld>
   <p:clrMapOvr>

--- a/presentation_izzy_baby.pptx
+++ b/presentation_izzy_baby.pptx
@@ -2125,7 +2125,7 @@
         </p:nvSpPr>
         <p:spPr>
           <a:xfrm>
-            <a:off x="381300" y="685800"/>
+            <a:off x="381000" y="685800"/>
             <a:ext cx="6096000" cy="3429000"/>
           </a:xfrm>
           <a:custGeom>
@@ -8244,6 +8244,41 @@
           </a:p>
         </p:txBody>
       </p:sp>
+      <p:sp>
+        <p:nvSpPr>
+          <p:cNvPr id="2" name="ZoneTexte 1">
+            <a:extLst>
+              <a:ext uri="{FF2B5EF4-FFF2-40B4-BE49-F238E27FC236}">
+                <a16:creationId xmlns:a16="http://schemas.microsoft.com/office/drawing/2014/main" id="{600A0316-B59D-4F50-B280-411F464DA99A}"/>
+              </a:ext>
+            </a:extLst>
+          </p:cNvPr>
+          <p:cNvSpPr txBox="1"/>
+          <p:nvPr/>
+        </p:nvSpPr>
+        <p:spPr>
+          <a:xfrm>
+            <a:off x="2844800" y="3118338"/>
+            <a:ext cx="990977" cy="307777"/>
+          </a:xfrm>
+          <a:prstGeom prst="rect">
+            <a:avLst/>
+          </a:prstGeom>
+          <a:noFill/>
+        </p:spPr>
+        <p:txBody>
+          <a:bodyPr wrap="none" rtlCol="0">
+            <a:spAutoFit/>
+          </a:bodyPr>
+          <a:lstStyle/>
+          <a:p>
+            <a:r>
+              <a:rPr lang="fr-FR" dirty="0"/>
+              <a:t>Amandine</a:t>
+            </a:r>
+          </a:p>
+        </p:txBody>
+      </p:sp>
     </p:spTree>
   </p:cSld>
   <p:clrMapOvr>
@@ -8354,6 +8389,41 @@
               <a:t>ivedata+observer +asynctask</a:t>
             </a:r>
             <a:endParaRPr dirty="0"/>
+          </a:p>
+        </p:txBody>
+      </p:sp>
+      <p:sp>
+        <p:nvSpPr>
+          <p:cNvPr id="2" name="ZoneTexte 1">
+            <a:extLst>
+              <a:ext uri="{FF2B5EF4-FFF2-40B4-BE49-F238E27FC236}">
+                <a16:creationId xmlns:a16="http://schemas.microsoft.com/office/drawing/2014/main" id="{B523FD91-041D-423E-BD4C-95607DC857ED}"/>
+              </a:ext>
+            </a:extLst>
+          </p:cNvPr>
+          <p:cNvSpPr txBox="1"/>
+          <p:nvPr/>
+        </p:nvSpPr>
+        <p:spPr>
+          <a:xfrm>
+            <a:off x="1180123" y="2417861"/>
+            <a:ext cx="990977" cy="307777"/>
+          </a:xfrm>
+          <a:prstGeom prst="rect">
+            <a:avLst/>
+          </a:prstGeom>
+          <a:noFill/>
+        </p:spPr>
+        <p:txBody>
+          <a:bodyPr wrap="none" rtlCol="0">
+            <a:spAutoFit/>
+          </a:bodyPr>
+          <a:lstStyle/>
+          <a:p>
+            <a:r>
+              <a:rPr lang="fr-FR" dirty="0"/>
+              <a:t>Amandine</a:t>
+            </a:r>
           </a:p>
         </p:txBody>
       </p:sp>
@@ -8697,6 +8767,41 @@
           </a:p>
         </p:txBody>
       </p:sp>
+      <p:sp>
+        <p:nvSpPr>
+          <p:cNvPr id="4" name="ZoneTexte 3">
+            <a:extLst>
+              <a:ext uri="{FF2B5EF4-FFF2-40B4-BE49-F238E27FC236}">
+                <a16:creationId xmlns:a16="http://schemas.microsoft.com/office/drawing/2014/main" id="{1FB67A94-B083-4A26-8CEA-514DD08E5A3B}"/>
+              </a:ext>
+            </a:extLst>
+          </p:cNvPr>
+          <p:cNvSpPr txBox="1"/>
+          <p:nvPr/>
+        </p:nvSpPr>
+        <p:spPr>
+          <a:xfrm>
+            <a:off x="588184" y="1867877"/>
+            <a:ext cx="622286" cy="307777"/>
+          </a:xfrm>
+          <a:prstGeom prst="rect">
+            <a:avLst/>
+          </a:prstGeom>
+          <a:noFill/>
+        </p:spPr>
+        <p:txBody>
+          <a:bodyPr wrap="none" rtlCol="0">
+            <a:spAutoFit/>
+          </a:bodyPr>
+          <a:lstStyle/>
+          <a:p>
+            <a:r>
+              <a:rPr lang="fr-FR" dirty="0"/>
+              <a:t>Janet</a:t>
+            </a:r>
+          </a:p>
+        </p:txBody>
+      </p:sp>
     </p:spTree>
   </p:cSld>
   <p:clrMapOvr>
@@ -8950,6 +9055,41 @@
           </a:fontRef>
         </p:style>
       </p:cxnSp>
+      <p:sp>
+        <p:nvSpPr>
+          <p:cNvPr id="2" name="ZoneTexte 1">
+            <a:extLst>
+              <a:ext uri="{FF2B5EF4-FFF2-40B4-BE49-F238E27FC236}">
+                <a16:creationId xmlns:a16="http://schemas.microsoft.com/office/drawing/2014/main" id="{249740C1-4F17-4783-904E-86B4D7B2ACF9}"/>
+              </a:ext>
+            </a:extLst>
+          </p:cNvPr>
+          <p:cNvSpPr txBox="1"/>
+          <p:nvPr/>
+        </p:nvSpPr>
+        <p:spPr>
+          <a:xfrm>
+            <a:off x="347837" y="2430585"/>
+            <a:ext cx="622286" cy="307777"/>
+          </a:xfrm>
+          <a:prstGeom prst="rect">
+            <a:avLst/>
+          </a:prstGeom>
+          <a:noFill/>
+        </p:spPr>
+        <p:txBody>
+          <a:bodyPr wrap="none" rtlCol="0">
+            <a:spAutoFit/>
+          </a:bodyPr>
+          <a:lstStyle/>
+          <a:p>
+            <a:r>
+              <a:rPr lang="fr-FR" dirty="0"/>
+              <a:t>Janet</a:t>
+            </a:r>
+          </a:p>
+        </p:txBody>
+      </p:sp>
     </p:spTree>
   </p:cSld>
   <p:clrMapOvr>
@@ -9056,6 +9196,41 @@
               <a:t>Démonstration de l’application</a:t>
             </a:r>
             <a:endParaRPr dirty="0"/>
+          </a:p>
+        </p:txBody>
+      </p:sp>
+      <p:sp>
+        <p:nvSpPr>
+          <p:cNvPr id="2" name="ZoneTexte 1">
+            <a:extLst>
+              <a:ext uri="{FF2B5EF4-FFF2-40B4-BE49-F238E27FC236}">
+                <a16:creationId xmlns:a16="http://schemas.microsoft.com/office/drawing/2014/main" id="{9C4F47EA-5092-4D75-B104-3100966D056C}"/>
+              </a:ext>
+            </a:extLst>
+          </p:cNvPr>
+          <p:cNvSpPr txBox="1"/>
+          <p:nvPr/>
+        </p:nvSpPr>
+        <p:spPr>
+          <a:xfrm>
+            <a:off x="2844800" y="3118338"/>
+            <a:ext cx="990977" cy="307777"/>
+          </a:xfrm>
+          <a:prstGeom prst="rect">
+            <a:avLst/>
+          </a:prstGeom>
+          <a:noFill/>
+        </p:spPr>
+        <p:txBody>
+          <a:bodyPr wrap="none" rtlCol="0">
+            <a:spAutoFit/>
+          </a:bodyPr>
+          <a:lstStyle/>
+          <a:p>
+            <a:r>
+              <a:rPr lang="fr-FR" dirty="0"/>
+              <a:t>Amandine</a:t>
+            </a:r>
           </a:p>
         </p:txBody>
       </p:sp>
@@ -9162,7 +9337,7 @@
             </a:pPr>
             <a:r>
               <a:rPr lang="fr" dirty="0"/>
-              <a:t>60 sec</a:t>
+              <a:t>Janet</a:t>
             </a:r>
             <a:endParaRPr dirty="0"/>
           </a:p>
@@ -11332,10 +11507,10 @@
               <a:buNone/>
             </a:pPr>
             <a:r>
-              <a:rPr lang="fr"/>
-              <a:t>60 sec</a:t>
+              <a:rPr lang="fr" dirty="0"/>
+              <a:t>Janet</a:t>
             </a:r>
-            <a:endParaRPr/>
+            <a:endParaRPr dirty="0"/>
           </a:p>
         </p:txBody>
       </p:sp>
@@ -11502,6 +11677,41 @@
           </a:prstGeom>
         </p:spPr>
       </p:pic>
+      <p:sp>
+        <p:nvSpPr>
+          <p:cNvPr id="2" name="ZoneTexte 1">
+            <a:extLst>
+              <a:ext uri="{FF2B5EF4-FFF2-40B4-BE49-F238E27FC236}">
+                <a16:creationId xmlns:a16="http://schemas.microsoft.com/office/drawing/2014/main" id="{DB7B1094-FAD6-4C85-81B2-64E380C34A56}"/>
+              </a:ext>
+            </a:extLst>
+          </p:cNvPr>
+          <p:cNvSpPr txBox="1"/>
+          <p:nvPr/>
+        </p:nvSpPr>
+        <p:spPr>
+          <a:xfrm>
+            <a:off x="2844800" y="3118338"/>
+            <a:ext cx="2888932" cy="307777"/>
+          </a:xfrm>
+          <a:prstGeom prst="rect">
+            <a:avLst/>
+          </a:prstGeom>
+          <a:noFill/>
+        </p:spPr>
+        <p:txBody>
+          <a:bodyPr wrap="none" rtlCol="0">
+            <a:spAutoFit/>
+          </a:bodyPr>
+          <a:lstStyle/>
+          <a:p>
+            <a:r>
+              <a:rPr lang="fr-FR" dirty="0"/>
+              <a:t>Janet (à compléter par Amandine)</a:t>
+            </a:r>
+          </a:p>
+        </p:txBody>
+      </p:sp>
     </p:spTree>
   </p:cSld>
   <p:clrMapOvr>
@@ -11562,10 +11772,10 @@
               <a:buNone/>
             </a:pPr>
             <a:r>
-              <a:rPr lang="fr"/>
+              <a:rPr lang="fr" dirty="0"/>
               <a:t>Architecture</a:t>
             </a:r>
-            <a:endParaRPr/>
+            <a:endParaRPr dirty="0"/>
           </a:p>
         </p:txBody>
       </p:sp>
@@ -11645,6 +11855,41 @@
           </a:prstGeom>
         </p:spPr>
       </p:pic>
+      <p:sp>
+        <p:nvSpPr>
+          <p:cNvPr id="2" name="ZoneTexte 1">
+            <a:extLst>
+              <a:ext uri="{FF2B5EF4-FFF2-40B4-BE49-F238E27FC236}">
+                <a16:creationId xmlns:a16="http://schemas.microsoft.com/office/drawing/2014/main" id="{BDDA6E7E-6465-49C9-BA47-CD590170BB0F}"/>
+              </a:ext>
+            </a:extLst>
+          </p:cNvPr>
+          <p:cNvSpPr txBox="1"/>
+          <p:nvPr/>
+        </p:nvSpPr>
+        <p:spPr>
+          <a:xfrm>
+            <a:off x="1187938" y="2263973"/>
+            <a:ext cx="622286" cy="307777"/>
+          </a:xfrm>
+          <a:prstGeom prst="rect">
+            <a:avLst/>
+          </a:prstGeom>
+          <a:noFill/>
+        </p:spPr>
+        <p:txBody>
+          <a:bodyPr wrap="none" rtlCol="0">
+            <a:spAutoFit/>
+          </a:bodyPr>
+          <a:lstStyle/>
+          <a:p>
+            <a:r>
+              <a:rPr lang="fr-FR" dirty="0"/>
+              <a:t>Janet</a:t>
+            </a:r>
+          </a:p>
+        </p:txBody>
+      </p:sp>
     </p:spTree>
   </p:cSld>
   <p:clrMapOvr>
